--- a/curso/modulo3capitulo3-off.pptx
+++ b/curso/modulo3capitulo3-off.pptx
@@ -39,6 +39,14 @@
     <p:sldId id="350" r:id="rId34"/>
     <p:sldId id="351" r:id="rId35"/>
     <p:sldId id="352" r:id="rId36"/>
+    <p:sldId id="358" r:id="rId37"/>
+    <p:sldId id="359" r:id="rId38"/>
+    <p:sldId id="360" r:id="rId39"/>
+    <p:sldId id="361" r:id="rId40"/>
+    <p:sldId id="362" r:id="rId41"/>
+    <p:sldId id="363" r:id="rId42"/>
+    <p:sldId id="364" r:id="rId43"/>
+    <p:sldId id="365" r:id="rId44"/>
   </p:sldIdLst>
   <p:sldSz cx="9144000" cy="6858000" type="screen4x3"/>
   <p:notesSz cx="6858000" cy="9144000"/>
@@ -5742,7 +5750,7 @@
         <p:spPr/>
         <p:txBody>
           <a:bodyPr>
-            <a:normAutofit fontScale="90000"/>
+            <a:normAutofit fontScale="70000"/>
           </a:bodyPr>
           <a:p>
             <a:r>
@@ -5781,6 +5789,13 @@
           <a:p>
             <a:r>
               <a:rPr lang="x-none" altLang="pt-BR"/>
+              <a:t>Insert Select</a:t>
+            </a:r>
+            <a:endParaRPr lang="x-none" altLang="pt-BR"/>
+          </a:p>
+          <a:p>
+            <a:r>
+              <a:rPr lang="x-none" altLang="pt-BR"/>
               <a:t>Update</a:t>
             </a:r>
             <a:endParaRPr lang="x-none" altLang="pt-BR"/>
@@ -5796,6 +5811,13 @@
             <a:r>
               <a:rPr lang="x-none" altLang="pt-BR"/>
               <a:t>Create Table</a:t>
+            </a:r>
+            <a:endParaRPr lang="x-none" altLang="pt-BR"/>
+          </a:p>
+          <a:p>
+            <a:r>
+              <a:rPr lang="x-none" altLang="pt-BR"/>
+              <a:t>Create Table As Select</a:t>
             </a:r>
             <a:endParaRPr lang="x-none" altLang="pt-BR"/>
           </a:p>
@@ -6503,9 +6525,904 @@
         </p:nvSpPr>
         <p:spPr/>
         <p:txBody>
-          <a:bodyPr/>
-          <a:p>
-            <a:endParaRPr lang="pt-BR" altLang="en-US"/>
+          <a:bodyPr>
+            <a:normAutofit lnSpcReduction="20000"/>
+          </a:bodyPr>
+          <a:p>
+            <a:r>
+              <a:rPr lang="x-none" altLang="pt-BR"/>
+              <a:t>Instrução DML para inserção de 1 registro em 1 tabela</a:t>
+            </a:r>
+            <a:endParaRPr lang="x-none" altLang="pt-BR"/>
+          </a:p>
+          <a:p>
+            <a:r>
+              <a:rPr lang="x-none" altLang="pt-BR"/>
+              <a:t>Somente </a:t>
+            </a:r>
+            <a:r>
+              <a:rPr lang="x-none" altLang="pt-BR">
+                <a:solidFill>
+                  <a:srgbClr val="92D050"/>
+                </a:solidFill>
+              </a:rPr>
+              <a:t>1 registro por vez</a:t>
+            </a:r>
+            <a:r>
+              <a:rPr lang="x-none" altLang="pt-BR"/>
+              <a:t> é inserido</a:t>
+            </a:r>
+            <a:endParaRPr lang="x-none" altLang="pt-BR"/>
+          </a:p>
+          <a:p>
+            <a:r>
+              <a:rPr lang="x-none" altLang="pt-BR"/>
+              <a:t>Forma básica:</a:t>
+            </a:r>
+            <a:endParaRPr lang="x-none" altLang="pt-BR"/>
+          </a:p>
+          <a:p>
+            <a:pPr lvl="1"/>
+            <a:r>
+              <a:rPr lang="x-none" altLang="pt-BR">
+                <a:solidFill>
+                  <a:srgbClr val="92D050"/>
+                </a:solidFill>
+              </a:rPr>
+              <a:t>INSERT INTO tabela</a:t>
+            </a:r>
+            <a:endParaRPr lang="x-none" altLang="pt-BR">
+              <a:solidFill>
+                <a:srgbClr val="92D050"/>
+              </a:solidFill>
+            </a:endParaRPr>
+          </a:p>
+          <a:p>
+            <a:pPr lvl="1"/>
+            <a:r>
+              <a:rPr lang="x-none" altLang="pt-BR">
+                <a:solidFill>
+                  <a:srgbClr val="92D050"/>
+                </a:solidFill>
+              </a:rPr>
+              <a:t>VALUES (valor1, valor2, valor3, ...)</a:t>
+            </a:r>
+            <a:endParaRPr lang="x-none" altLang="pt-BR">
+              <a:solidFill>
+                <a:srgbClr val="92D050"/>
+              </a:solidFill>
+            </a:endParaRPr>
+          </a:p>
+          <a:p>
+            <a:pPr lvl="0"/>
+            <a:r>
+              <a:rPr lang="x-none" altLang="pt-BR"/>
+              <a:t>Especificando colunas:</a:t>
+            </a:r>
+            <a:endParaRPr lang="x-none" altLang="pt-BR"/>
+          </a:p>
+          <a:p>
+            <a:pPr lvl="1"/>
+            <a:r>
+              <a:rPr lang="x-none" altLang="pt-BR">
+                <a:solidFill>
+                  <a:srgbClr val="92D050"/>
+                </a:solidFill>
+              </a:rPr>
+              <a:t>INSERT INTO table_name (coluna1, coluna2, coluna3, ...)</a:t>
+            </a:r>
+            <a:endParaRPr lang="x-none" altLang="pt-BR">
+              <a:solidFill>
+                <a:srgbClr val="92D050"/>
+              </a:solidFill>
+            </a:endParaRPr>
+          </a:p>
+          <a:p>
+            <a:pPr lvl="1"/>
+            <a:r>
+              <a:rPr lang="x-none" altLang="pt-BR">
+                <a:solidFill>
+                  <a:srgbClr val="92D050"/>
+                </a:solidFill>
+              </a:rPr>
+              <a:t>VALUES (valor1, valor2, valor3, ...)</a:t>
+            </a:r>
+            <a:endParaRPr lang="x-none" altLang="pt-BR">
+              <a:solidFill>
+                <a:srgbClr val="92D050"/>
+              </a:solidFill>
+            </a:endParaRPr>
+          </a:p>
+        </p:txBody>
+      </p:sp>
+    </p:spTree>
+  </p:cSld>
+  <p:clrMapOvr>
+    <a:masterClrMapping/>
+  </p:clrMapOvr>
+</p:sld>
+</file>
+
+<file path=ppt/slides/slide35.xml><?xml version="1.0" encoding="utf-8"?>
+<p:sld xmlns:a="http://schemas.openxmlformats.org/drawingml/2006/main" xmlns:r="http://schemas.openxmlformats.org/officeDocument/2006/relationships" xmlns:p="http://schemas.openxmlformats.org/presentationml/2006/main">
+  <p:cSld>
+    <p:spTree>
+      <p:nvGrpSpPr>
+        <p:cNvPr id="1" name=""/>
+        <p:cNvGrpSpPr/>
+        <p:nvPr/>
+      </p:nvGrpSpPr>
+      <p:grpSpPr/>
+      <p:sp>
+        <p:nvSpPr>
+          <p:cNvPr id="2" name="Title 1"/>
+          <p:cNvSpPr>
+            <a:spLocks noGrp="1"/>
+          </p:cNvSpPr>
+          <p:nvPr>
+            <p:ph type="title"/>
+          </p:nvPr>
+        </p:nvSpPr>
+        <p:spPr/>
+        <p:txBody>
+          <a:bodyPr/>
+          <a:p>
+            <a:r>
+              <a:rPr lang="x-none" altLang="pt-BR"/>
+              <a:t>Insert Select</a:t>
+            </a:r>
+            <a:endParaRPr lang="x-none" altLang="pt-BR"/>
+          </a:p>
+        </p:txBody>
+      </p:sp>
+      <p:sp>
+        <p:nvSpPr>
+          <p:cNvPr id="3" name="Content Placeholder 2"/>
+          <p:cNvSpPr>
+            <a:spLocks noGrp="1"/>
+          </p:cNvSpPr>
+          <p:nvPr>
+            <p:ph idx="1"/>
+          </p:nvPr>
+        </p:nvSpPr>
+        <p:spPr/>
+        <p:txBody>
+          <a:bodyPr>
+            <a:noAutofit/>
+          </a:bodyPr>
+          <a:p>
+            <a:r>
+              <a:rPr lang="x-none" altLang="pt-BR" sz="2400"/>
+              <a:t>Insere em uma tabela o resultado de uma consulta SQL</a:t>
+            </a:r>
+            <a:endParaRPr lang="x-none" altLang="pt-BR" sz="2400"/>
+          </a:p>
+          <a:p>
+            <a:r>
+              <a:rPr lang="x-none" altLang="pt-BR" sz="2400"/>
+              <a:t>Podem ser usadas </a:t>
+            </a:r>
+            <a:r>
+              <a:rPr lang="x-none" altLang="pt-BR" sz="2400">
+                <a:solidFill>
+                  <a:srgbClr val="92D050"/>
+                </a:solidFill>
+              </a:rPr>
+              <a:t>qualquer consulta</a:t>
+            </a:r>
+            <a:r>
+              <a:rPr lang="x-none" altLang="pt-BR" sz="2400"/>
+              <a:t>, desde que as colunas sejam compatíveis</a:t>
+            </a:r>
+            <a:endParaRPr lang="x-none" altLang="pt-BR" sz="2400"/>
+          </a:p>
+          <a:p>
+            <a:r>
+              <a:rPr lang="x-none" altLang="pt-BR" sz="2400"/>
+              <a:t>Usado também para inserção de </a:t>
+            </a:r>
+            <a:r>
+              <a:rPr lang="x-none" altLang="pt-BR" sz="2400">
+                <a:solidFill>
+                  <a:srgbClr val="92D050"/>
+                </a:solidFill>
+              </a:rPr>
+              <a:t>múltiplos</a:t>
+            </a:r>
+            <a:r>
+              <a:rPr lang="x-none" altLang="pt-BR" sz="2400"/>
+              <a:t> registros de uma só vez:</a:t>
+            </a:r>
+            <a:endParaRPr lang="x-none" altLang="pt-BR" sz="2400"/>
+          </a:p>
+          <a:p>
+            <a:pPr lvl="1"/>
+            <a:r>
+              <a:rPr lang="x-none" altLang="pt-BR" sz="2000">
+                <a:solidFill>
+                  <a:srgbClr val="92D050"/>
+                </a:solidFill>
+              </a:rPr>
+              <a:t>INSERT INTO tabela</a:t>
+            </a:r>
+            <a:endParaRPr lang="x-none" altLang="pt-BR" sz="2000">
+              <a:solidFill>
+                <a:srgbClr val="92D050"/>
+              </a:solidFill>
+            </a:endParaRPr>
+          </a:p>
+          <a:p>
+            <a:pPr lvl="1"/>
+            <a:r>
+              <a:rPr lang="x-none" altLang="pt-BR" sz="2000">
+                <a:solidFill>
+                  <a:srgbClr val="92D050"/>
+                </a:solidFill>
+              </a:rPr>
+              <a:t>SELECT valor1 as coluna1</a:t>
+            </a:r>
+            <a:endParaRPr lang="x-none" altLang="pt-BR" sz="2000">
+              <a:solidFill>
+                <a:srgbClr val="92D050"/>
+              </a:solidFill>
+            </a:endParaRPr>
+          </a:p>
+          <a:p>
+            <a:pPr lvl="1"/>
+            <a:r>
+              <a:rPr lang="x-none" altLang="pt-BR" sz="2000">
+                <a:solidFill>
+                  <a:srgbClr val="92D050"/>
+                </a:solidFill>
+              </a:rPr>
+              <a:t>UNION ALL</a:t>
+            </a:r>
+            <a:endParaRPr lang="x-none" altLang="pt-BR" sz="2000">
+              <a:solidFill>
+                <a:srgbClr val="92D050"/>
+              </a:solidFill>
+            </a:endParaRPr>
+          </a:p>
+          <a:p>
+            <a:pPr lvl="1"/>
+            <a:r>
+              <a:rPr lang="x-none" altLang="pt-BR" sz="2000">
+                <a:solidFill>
+                  <a:srgbClr val="92D050"/>
+                </a:solidFill>
+              </a:rPr>
+              <a:t>SELECT valor2 as coluna2</a:t>
+            </a:r>
+            <a:endParaRPr lang="x-none" altLang="pt-BR" sz="2000">
+              <a:solidFill>
+                <a:srgbClr val="92D050"/>
+              </a:solidFill>
+            </a:endParaRPr>
+          </a:p>
+          <a:p>
+            <a:pPr lvl="1"/>
+            <a:r>
+              <a:rPr lang="x-none" altLang="pt-BR" sz="2000">
+                <a:solidFill>
+                  <a:srgbClr val="92D050"/>
+                </a:solidFill>
+              </a:rPr>
+              <a:t>UNION ALL</a:t>
+            </a:r>
+            <a:endParaRPr lang="x-none" altLang="pt-BR" sz="2000">
+              <a:solidFill>
+                <a:srgbClr val="92D050"/>
+              </a:solidFill>
+            </a:endParaRPr>
+          </a:p>
+          <a:p>
+            <a:pPr lvl="1"/>
+            <a:r>
+              <a:rPr lang="x-none" altLang="pt-BR" sz="2000">
+                <a:solidFill>
+                  <a:srgbClr val="92D050"/>
+                </a:solidFill>
+              </a:rPr>
+              <a:t>SELECT valor3 as coluna3</a:t>
+            </a:r>
+            <a:endParaRPr lang="x-none" altLang="pt-BR" sz="2000">
+              <a:solidFill>
+                <a:srgbClr val="92D050"/>
+              </a:solidFill>
+            </a:endParaRPr>
+          </a:p>
+        </p:txBody>
+      </p:sp>
+    </p:spTree>
+  </p:cSld>
+  <p:clrMapOvr>
+    <a:masterClrMapping/>
+  </p:clrMapOvr>
+</p:sld>
+</file>
+
+<file path=ppt/slides/slide36.xml><?xml version="1.0" encoding="utf-8"?>
+<p:sld xmlns:a="http://schemas.openxmlformats.org/drawingml/2006/main" xmlns:r="http://schemas.openxmlformats.org/officeDocument/2006/relationships" xmlns:p="http://schemas.openxmlformats.org/presentationml/2006/main">
+  <p:cSld>
+    <p:spTree>
+      <p:nvGrpSpPr>
+        <p:cNvPr id="1" name=""/>
+        <p:cNvGrpSpPr/>
+        <p:nvPr/>
+      </p:nvGrpSpPr>
+      <p:grpSpPr/>
+      <p:sp>
+        <p:nvSpPr>
+          <p:cNvPr id="2" name="Title 1"/>
+          <p:cNvSpPr>
+            <a:spLocks noGrp="1"/>
+          </p:cNvSpPr>
+          <p:nvPr>
+            <p:ph type="title"/>
+          </p:nvPr>
+        </p:nvSpPr>
+        <p:spPr/>
+        <p:txBody>
+          <a:bodyPr/>
+          <a:p>
+            <a:r>
+              <a:rPr lang="x-none" altLang="pt-BR"/>
+              <a:t>Update</a:t>
+            </a:r>
+            <a:endParaRPr lang="x-none" altLang="pt-BR"/>
+          </a:p>
+        </p:txBody>
+      </p:sp>
+      <p:sp>
+        <p:nvSpPr>
+          <p:cNvPr id="3" name="Content Placeholder 2"/>
+          <p:cNvSpPr>
+            <a:spLocks noGrp="1"/>
+          </p:cNvSpPr>
+          <p:nvPr>
+            <p:ph idx="1"/>
+          </p:nvPr>
+        </p:nvSpPr>
+        <p:spPr/>
+        <p:txBody>
+          <a:bodyPr>
+            <a:normAutofit fontScale="90000" lnSpcReduction="20000"/>
+          </a:bodyPr>
+          <a:p>
+            <a:r>
+              <a:rPr lang="x-none" altLang="pt-BR"/>
+              <a:t>Usado para </a:t>
+            </a:r>
+            <a:r>
+              <a:rPr lang="x-none" altLang="pt-BR">
+                <a:solidFill>
+                  <a:srgbClr val="92D050"/>
+                </a:solidFill>
+              </a:rPr>
+              <a:t>atualizar registros</a:t>
+            </a:r>
+            <a:r>
+              <a:rPr lang="x-none" altLang="pt-BR"/>
+              <a:t> em uma tabela</a:t>
+            </a:r>
+            <a:endParaRPr lang="x-none" altLang="pt-BR"/>
+          </a:p>
+          <a:p>
+            <a:pPr lvl="1"/>
+            <a:r>
+              <a:rPr lang="x-none" altLang="pt-BR"/>
+              <a:t>UPDATE tabela</a:t>
+            </a:r>
+            <a:endParaRPr lang="x-none" altLang="pt-BR"/>
+          </a:p>
+          <a:p>
+            <a:pPr lvl="1"/>
+            <a:r>
+              <a:rPr lang="x-none" altLang="pt-BR"/>
+              <a:t>SET coluna1 = valor1,</a:t>
+            </a:r>
+            <a:endParaRPr lang="x-none" altLang="pt-BR"/>
+          </a:p>
+          <a:p>
+            <a:pPr lvl="1"/>
+            <a:r>
+              <a:rPr lang="x-none" altLang="pt-BR"/>
+              <a:t>       coluna2 = valor2</a:t>
+            </a:r>
+            <a:endParaRPr lang="x-none" altLang="pt-BR"/>
+          </a:p>
+          <a:p>
+            <a:pPr lvl="1"/>
+            <a:r>
+              <a:rPr lang="x-none" altLang="pt-BR"/>
+              <a:t>WHERE algumacoluna = algumvalor</a:t>
+            </a:r>
+            <a:endParaRPr lang="x-none" altLang="pt-BR"/>
+          </a:p>
+          <a:p>
+            <a:pPr lvl="0"/>
+            <a:r>
+              <a:rPr lang="x-none" altLang="pt-BR"/>
+              <a:t>O </a:t>
+            </a:r>
+            <a:r>
+              <a:rPr lang="x-none" altLang="pt-BR">
+                <a:solidFill>
+                  <a:srgbClr val="92D050"/>
+                </a:solidFill>
+              </a:rPr>
+              <a:t>Where </a:t>
+            </a:r>
+            <a:r>
+              <a:rPr lang="x-none" altLang="pt-BR"/>
+              <a:t>informa </a:t>
+            </a:r>
+            <a:r>
+              <a:rPr lang="x-none" altLang="pt-BR">
+                <a:solidFill>
+                  <a:srgbClr val="92D050"/>
+                </a:solidFill>
+              </a:rPr>
+              <a:t>quais registros serão atualizados</a:t>
+            </a:r>
+            <a:endParaRPr lang="x-none" altLang="pt-BR">
+              <a:solidFill>
+                <a:srgbClr val="92D050"/>
+              </a:solidFill>
+            </a:endParaRPr>
+          </a:p>
+          <a:p>
+            <a:pPr lvl="0"/>
+            <a:r>
+              <a:rPr lang="x-none" altLang="pt-BR"/>
+              <a:t>Se o Where for omitido, </a:t>
+            </a:r>
+            <a:r>
+              <a:rPr lang="x-none" altLang="pt-BR">
+                <a:solidFill>
+                  <a:srgbClr val="92D050"/>
+                </a:solidFill>
+              </a:rPr>
+              <a:t>todos os registros</a:t>
+            </a:r>
+            <a:r>
+              <a:rPr lang="x-none" altLang="pt-BR"/>
+              <a:t> da tabela serão atualizados</a:t>
+            </a:r>
+            <a:endParaRPr lang="x-none" altLang="pt-BR"/>
+          </a:p>
+          <a:p>
+            <a:pPr lvl="0"/>
+            <a:r>
+              <a:rPr lang="x-none" altLang="pt-BR"/>
+              <a:t>Update que não atualiza nenhuma linha </a:t>
+            </a:r>
+            <a:r>
+              <a:rPr lang="x-none" altLang="pt-BR">
+                <a:solidFill>
+                  <a:srgbClr val="92D050"/>
+                </a:solidFill>
+              </a:rPr>
+              <a:t>não é erro</a:t>
+            </a:r>
+            <a:endParaRPr lang="x-none" altLang="pt-BR">
+              <a:solidFill>
+                <a:srgbClr val="92D050"/>
+              </a:solidFill>
+            </a:endParaRPr>
+          </a:p>
+        </p:txBody>
+      </p:sp>
+    </p:spTree>
+  </p:cSld>
+  <p:clrMapOvr>
+    <a:masterClrMapping/>
+  </p:clrMapOvr>
+</p:sld>
+</file>
+
+<file path=ppt/slides/slide37.xml><?xml version="1.0" encoding="utf-8"?>
+<p:sld xmlns:a="http://schemas.openxmlformats.org/drawingml/2006/main" xmlns:r="http://schemas.openxmlformats.org/officeDocument/2006/relationships" xmlns:p="http://schemas.openxmlformats.org/presentationml/2006/main">
+  <p:cSld>
+    <p:spTree>
+      <p:nvGrpSpPr>
+        <p:cNvPr id="1" name=""/>
+        <p:cNvGrpSpPr/>
+        <p:nvPr/>
+      </p:nvGrpSpPr>
+      <p:grpSpPr/>
+      <p:sp>
+        <p:nvSpPr>
+          <p:cNvPr id="2" name="Title 1"/>
+          <p:cNvSpPr>
+            <a:spLocks noGrp="1"/>
+          </p:cNvSpPr>
+          <p:nvPr>
+            <p:ph type="title"/>
+          </p:nvPr>
+        </p:nvSpPr>
+        <p:spPr/>
+        <p:txBody>
+          <a:bodyPr/>
+          <a:p>
+            <a:r>
+              <a:rPr lang="x-none" altLang="pt-BR"/>
+              <a:t>Delete</a:t>
+            </a:r>
+            <a:endParaRPr lang="x-none" altLang="pt-BR"/>
+          </a:p>
+        </p:txBody>
+      </p:sp>
+      <p:sp>
+        <p:nvSpPr>
+          <p:cNvPr id="3" name="Content Placeholder 2"/>
+          <p:cNvSpPr>
+            <a:spLocks noGrp="1"/>
+          </p:cNvSpPr>
+          <p:nvPr>
+            <p:ph idx="1"/>
+          </p:nvPr>
+        </p:nvSpPr>
+        <p:spPr/>
+        <p:txBody>
+          <a:bodyPr>
+            <a:normAutofit fontScale="90000"/>
+          </a:bodyPr>
+          <a:p>
+            <a:r>
+              <a:rPr lang="x-none" altLang="pt-BR"/>
+              <a:t>Usado para excluir registros de uma tabela</a:t>
+            </a:r>
+            <a:endParaRPr lang="x-none" altLang="pt-BR"/>
+          </a:p>
+          <a:p>
+            <a:pPr lvl="1"/>
+            <a:r>
+              <a:rPr lang="x-none" altLang="pt-BR"/>
+              <a:t>DELETE</a:t>
+            </a:r>
+            <a:endParaRPr lang="x-none" altLang="pt-BR"/>
+          </a:p>
+          <a:p>
+            <a:pPr lvl="1"/>
+            <a:r>
+              <a:rPr lang="x-none" altLang="pt-BR"/>
+              <a:t>FROM tabela</a:t>
+            </a:r>
+            <a:endParaRPr lang="x-none" altLang="pt-BR"/>
+          </a:p>
+          <a:p>
+            <a:pPr lvl="1"/>
+            <a:r>
+              <a:rPr lang="x-none" altLang="pt-BR"/>
+              <a:t>WHERE coluna = valor</a:t>
+            </a:r>
+            <a:endParaRPr lang="x-none" altLang="pt-BR"/>
+          </a:p>
+          <a:p>
+            <a:pPr lvl="0"/>
+            <a:r>
+              <a:rPr lang="x-none" altLang="pt-BR">
+                <a:sym typeface="+mn-ea"/>
+              </a:rPr>
+              <a:t>O </a:t>
+            </a:r>
+            <a:r>
+              <a:rPr lang="x-none" altLang="pt-BR">
+                <a:solidFill>
+                  <a:srgbClr val="92D050"/>
+                </a:solidFill>
+                <a:sym typeface="+mn-ea"/>
+              </a:rPr>
+              <a:t>Where </a:t>
+            </a:r>
+            <a:r>
+              <a:rPr lang="x-none" altLang="pt-BR">
+                <a:sym typeface="+mn-ea"/>
+              </a:rPr>
+              <a:t>informa </a:t>
+            </a:r>
+            <a:r>
+              <a:rPr lang="x-none" altLang="pt-BR">
+                <a:solidFill>
+                  <a:srgbClr val="92D050"/>
+                </a:solidFill>
+                <a:sym typeface="+mn-ea"/>
+              </a:rPr>
+              <a:t>quais registros serão excluídos</a:t>
+            </a:r>
+            <a:endParaRPr lang="x-none" altLang="pt-BR">
+              <a:solidFill>
+                <a:srgbClr val="92D050"/>
+              </a:solidFill>
+            </a:endParaRPr>
+          </a:p>
+          <a:p>
+            <a:pPr lvl="0"/>
+            <a:r>
+              <a:rPr lang="x-none" altLang="pt-BR">
+                <a:sym typeface="+mn-ea"/>
+              </a:rPr>
+              <a:t>Se o Where for omitido, </a:t>
+            </a:r>
+            <a:r>
+              <a:rPr lang="x-none" altLang="pt-BR">
+                <a:solidFill>
+                  <a:srgbClr val="92D050"/>
+                </a:solidFill>
+                <a:sym typeface="+mn-ea"/>
+              </a:rPr>
+              <a:t>todos os registros</a:t>
+            </a:r>
+            <a:r>
+              <a:rPr lang="x-none" altLang="pt-BR">
+                <a:sym typeface="+mn-ea"/>
+              </a:rPr>
+              <a:t> da tabela serão excluídos</a:t>
+            </a:r>
+            <a:endParaRPr lang="x-none" altLang="pt-BR"/>
+          </a:p>
+          <a:p>
+            <a:pPr lvl="0"/>
+            <a:r>
+              <a:rPr lang="x-none" altLang="pt-BR">
+                <a:sym typeface="+mn-ea"/>
+              </a:rPr>
+              <a:t>Delete que não exclui nenhuma linha </a:t>
+            </a:r>
+            <a:r>
+              <a:rPr lang="x-none" altLang="pt-BR">
+                <a:solidFill>
+                  <a:srgbClr val="92D050"/>
+                </a:solidFill>
+                <a:sym typeface="+mn-ea"/>
+              </a:rPr>
+              <a:t>não é erro</a:t>
+            </a:r>
+            <a:endParaRPr lang="x-none" altLang="pt-BR"/>
+          </a:p>
+          <a:p>
+            <a:pPr lvl="0"/>
+            <a:endParaRPr lang="x-none" altLang="pt-BR"/>
+          </a:p>
+        </p:txBody>
+      </p:sp>
+    </p:spTree>
+  </p:cSld>
+  <p:clrMapOvr>
+    <a:masterClrMapping/>
+  </p:clrMapOvr>
+</p:sld>
+</file>
+
+<file path=ppt/slides/slide38.xml><?xml version="1.0" encoding="utf-8"?>
+<p:sld xmlns:a="http://schemas.openxmlformats.org/drawingml/2006/main" xmlns:r="http://schemas.openxmlformats.org/officeDocument/2006/relationships" xmlns:p="http://schemas.openxmlformats.org/presentationml/2006/main">
+  <p:cSld>
+    <p:spTree>
+      <p:nvGrpSpPr>
+        <p:cNvPr id="1" name=""/>
+        <p:cNvGrpSpPr/>
+        <p:nvPr/>
+      </p:nvGrpSpPr>
+      <p:grpSpPr/>
+      <p:sp>
+        <p:nvSpPr>
+          <p:cNvPr id="2" name="Title 1"/>
+          <p:cNvSpPr>
+            <a:spLocks noGrp="1"/>
+          </p:cNvSpPr>
+          <p:nvPr>
+            <p:ph type="title"/>
+          </p:nvPr>
+        </p:nvSpPr>
+        <p:spPr/>
+        <p:txBody>
+          <a:bodyPr/>
+          <a:p>
+            <a:r>
+              <a:rPr lang="x-none" altLang="pt-BR"/>
+              <a:t>Create Table</a:t>
+            </a:r>
+            <a:endParaRPr lang="x-none" altLang="pt-BR"/>
+          </a:p>
+        </p:txBody>
+      </p:sp>
+      <p:sp>
+        <p:nvSpPr>
+          <p:cNvPr id="3" name="Content Placeholder 2"/>
+          <p:cNvSpPr>
+            <a:spLocks noGrp="1"/>
+          </p:cNvSpPr>
+          <p:nvPr>
+            <p:ph idx="1"/>
+          </p:nvPr>
+        </p:nvSpPr>
+        <p:spPr/>
+        <p:txBody>
+          <a:bodyPr/>
+          <a:p>
+            <a:r>
+              <a:rPr lang="x-none" altLang="pt-BR"/>
+              <a:t>Instrução DDL que permite criar uma tabela</a:t>
+            </a:r>
+            <a:endParaRPr lang="x-none" altLang="pt-BR"/>
+          </a:p>
+          <a:p>
+            <a:r>
+              <a:rPr lang="x-none" altLang="pt-BR"/>
+              <a:t>Define os campos da tabela</a:t>
+            </a:r>
+            <a:endParaRPr lang="x-none" altLang="pt-BR"/>
+          </a:p>
+          <a:p>
+            <a:pPr lvl="1"/>
+            <a:r>
+              <a:rPr lang="x-none" altLang="pt-BR" sz="2600"/>
+              <a:t>Nome</a:t>
+            </a:r>
+            <a:endParaRPr lang="x-none" altLang="pt-BR" sz="2600"/>
+          </a:p>
+          <a:p>
+            <a:pPr lvl="1"/>
+            <a:r>
+              <a:rPr lang="x-none" altLang="pt-BR" sz="2600"/>
+              <a:t>Tipo</a:t>
+            </a:r>
+            <a:endParaRPr lang="x-none" altLang="pt-BR" sz="2600"/>
+          </a:p>
+          <a:p>
+            <a:pPr lvl="1"/>
+            <a:r>
+              <a:rPr lang="x-none" altLang="pt-BR" sz="2600"/>
+              <a:t>Se é obrigatório</a:t>
+            </a:r>
+            <a:endParaRPr lang="x-none" altLang="pt-BR" sz="2600"/>
+          </a:p>
+          <a:p>
+            <a:pPr lvl="1"/>
+            <a:r>
+              <a:rPr lang="x-none" altLang="pt-BR" sz="2600"/>
+              <a:t>Valor padrão</a:t>
+            </a:r>
+            <a:endParaRPr lang="x-none" altLang="pt-BR" sz="2600"/>
+          </a:p>
+          <a:p>
+            <a:r>
+              <a:rPr lang="x-none" altLang="pt-BR"/>
+              <a:t>No SQLite, PKs e FKs precisam ser especificadas no momento da criação</a:t>
+            </a:r>
+            <a:endParaRPr lang="x-none" altLang="pt-BR"/>
+          </a:p>
+        </p:txBody>
+      </p:sp>
+    </p:spTree>
+  </p:cSld>
+  <p:clrMapOvr>
+    <a:masterClrMapping/>
+  </p:clrMapOvr>
+</p:sld>
+</file>
+
+<file path=ppt/slides/slide39.xml><?xml version="1.0" encoding="utf-8"?>
+<p:sld xmlns:a="http://schemas.openxmlformats.org/drawingml/2006/main" xmlns:r="http://schemas.openxmlformats.org/officeDocument/2006/relationships" xmlns:p="http://schemas.openxmlformats.org/presentationml/2006/main">
+  <p:cSld>
+    <p:spTree>
+      <p:nvGrpSpPr>
+        <p:cNvPr id="1" name=""/>
+        <p:cNvGrpSpPr/>
+        <p:nvPr/>
+      </p:nvGrpSpPr>
+      <p:grpSpPr/>
+      <p:sp>
+        <p:nvSpPr>
+          <p:cNvPr id="2" name="Title 1"/>
+          <p:cNvSpPr>
+            <a:spLocks noGrp="1"/>
+          </p:cNvSpPr>
+          <p:nvPr>
+            <p:ph type="title"/>
+          </p:nvPr>
+        </p:nvSpPr>
+        <p:spPr/>
+        <p:txBody>
+          <a:bodyPr/>
+          <a:p>
+            <a:r>
+              <a:rPr lang="x-none" altLang="pt-BR"/>
+              <a:t>Create Table</a:t>
+            </a:r>
+            <a:endParaRPr lang="x-none" altLang="pt-BR"/>
+          </a:p>
+        </p:txBody>
+      </p:sp>
+      <p:sp>
+        <p:nvSpPr>
+          <p:cNvPr id="3" name="Content Placeholder 2"/>
+          <p:cNvSpPr>
+            <a:spLocks noGrp="1"/>
+          </p:cNvSpPr>
+          <p:nvPr>
+            <p:ph idx="1"/>
+          </p:nvPr>
+        </p:nvSpPr>
+        <p:spPr/>
+        <p:txBody>
+          <a:bodyPr>
+            <a:normAutofit lnSpcReduction="20000"/>
+          </a:bodyPr>
+          <a:p>
+            <a:r>
+              <a:rPr lang="x-none" altLang="pt-BR"/>
+              <a:t>CREATE TABLE produto</a:t>
+            </a:r>
+            <a:endParaRPr lang="x-none" altLang="pt-BR"/>
+          </a:p>
+          <a:p>
+            <a:r>
+              <a:rPr lang="x-none" altLang="pt-BR"/>
+              <a:t>(</a:t>
+            </a:r>
+            <a:endParaRPr lang="x-none" altLang="pt-BR"/>
+          </a:p>
+          <a:p>
+            <a:pPr lvl="1"/>
+            <a:r>
+              <a:rPr lang="x-none" altLang="pt-BR"/>
+              <a:t>pnome VARCHAR(200) NOT NULL,</a:t>
+            </a:r>
+            <a:endParaRPr lang="x-none" altLang="pt-BR"/>
+          </a:p>
+          <a:p>
+            <a:pPr lvl="1"/>
+            <a:r>
+              <a:rPr lang="x-none" altLang="pt-BR"/>
+              <a:t>preco REAL NOT NULL,</a:t>
+            </a:r>
+            <a:endParaRPr lang="x-none" altLang="pt-BR"/>
+          </a:p>
+          <a:p>
+            <a:pPr lvl="1"/>
+            <a:r>
+              <a:rPr lang="x-none" altLang="pt-BR"/>
+              <a:t>categoria VARCHAR(200) NOT NULL,</a:t>
+            </a:r>
+            <a:endParaRPr lang="x-none" altLang="pt-BR"/>
+          </a:p>
+          <a:p>
+            <a:pPr lvl="1"/>
+            <a:r>
+              <a:rPr lang="x-none" altLang="pt-BR"/>
+              <a:t>fabricante VARCHAR(200) NOT NULL,</a:t>
+            </a:r>
+            <a:endParaRPr lang="x-none" altLang="pt-BR"/>
+          </a:p>
+          <a:p>
+            <a:pPr lvl="1"/>
+            <a:r>
+              <a:rPr lang="x-none" altLang="pt-BR"/>
+              <a:t>PRIMARY KEY (pnome),</a:t>
+            </a:r>
+            <a:endParaRPr lang="x-none" altLang="pt-BR"/>
+          </a:p>
+          <a:p>
+            <a:pPr lvl="1"/>
+            <a:r>
+              <a:rPr lang="x-none" altLang="pt-BR"/>
+              <a:t>FOREIGN KEY (fabricante) REFERENCES companhia(cnome)</a:t>
+            </a:r>
+            <a:endParaRPr lang="x-none" altLang="pt-BR"/>
+          </a:p>
+          <a:p>
+            <a:pPr lvl="0"/>
+            <a:r>
+              <a:rPr lang="x-none" altLang="pt-BR" sz="3000"/>
+              <a:t>)</a:t>
+            </a:r>
+            <a:endParaRPr lang="x-none" altLang="pt-BR" sz="3000"/>
+          </a:p>
+          <a:p>
+            <a:pPr lvl="1"/>
+            <a:endParaRPr lang="x-none" altLang="pt-BR"/>
           </a:p>
         </p:txBody>
       </p:sp>
@@ -6686,6 +7603,378 @@
                 <a:srgbClr val="92D050"/>
               </a:solidFill>
             </a:endParaRPr>
+          </a:p>
+        </p:txBody>
+      </p:sp>
+    </p:spTree>
+  </p:cSld>
+  <p:clrMapOvr>
+    <a:masterClrMapping/>
+  </p:clrMapOvr>
+</p:sld>
+</file>
+
+<file path=ppt/slides/slide40.xml><?xml version="1.0" encoding="utf-8"?>
+<p:sld xmlns:a="http://schemas.openxmlformats.org/drawingml/2006/main" xmlns:r="http://schemas.openxmlformats.org/officeDocument/2006/relationships" xmlns:p="http://schemas.openxmlformats.org/presentationml/2006/main">
+  <p:cSld>
+    <p:spTree>
+      <p:nvGrpSpPr>
+        <p:cNvPr id="1" name=""/>
+        <p:cNvGrpSpPr/>
+        <p:nvPr/>
+      </p:nvGrpSpPr>
+      <p:grpSpPr/>
+      <p:sp>
+        <p:nvSpPr>
+          <p:cNvPr id="2" name="Title 1"/>
+          <p:cNvSpPr>
+            <a:spLocks noGrp="1"/>
+          </p:cNvSpPr>
+          <p:nvPr>
+            <p:ph type="title"/>
+          </p:nvPr>
+        </p:nvSpPr>
+        <p:spPr/>
+        <p:txBody>
+          <a:bodyPr/>
+          <a:p>
+            <a:r>
+              <a:rPr lang="x-none" altLang="pt-BR"/>
+              <a:t>Create Table As Select</a:t>
+            </a:r>
+            <a:endParaRPr lang="x-none" altLang="pt-BR"/>
+          </a:p>
+        </p:txBody>
+      </p:sp>
+      <p:sp>
+        <p:nvSpPr>
+          <p:cNvPr id="3" name="Content Placeholder 2"/>
+          <p:cNvSpPr>
+            <a:spLocks noGrp="1"/>
+          </p:cNvSpPr>
+          <p:nvPr>
+            <p:ph idx="1"/>
+          </p:nvPr>
+        </p:nvSpPr>
+        <p:spPr/>
+        <p:txBody>
+          <a:bodyPr/>
+          <a:p>
+            <a:r>
+              <a:rPr lang="x-none" altLang="pt-BR"/>
+              <a:t>Permite </a:t>
+            </a:r>
+            <a:r>
+              <a:rPr lang="x-none" altLang="pt-BR">
+                <a:solidFill>
+                  <a:srgbClr val="92D050"/>
+                </a:solidFill>
+              </a:rPr>
+              <a:t>criar uma tabela</a:t>
+            </a:r>
+            <a:r>
+              <a:rPr lang="x-none" altLang="pt-BR"/>
+              <a:t> a partir de qualquer </a:t>
+            </a:r>
+            <a:r>
+              <a:rPr lang="x-none" altLang="pt-BR">
+                <a:solidFill>
+                  <a:srgbClr val="92D050"/>
+                </a:solidFill>
+              </a:rPr>
+              <a:t>consulta Select</a:t>
+            </a:r>
+            <a:endParaRPr lang="x-none" altLang="pt-BR">
+              <a:solidFill>
+                <a:srgbClr val="92D050"/>
+              </a:solidFill>
+            </a:endParaRPr>
+          </a:p>
+          <a:p>
+            <a:r>
+              <a:rPr lang="x-none" altLang="pt-BR"/>
+              <a:t>Tipos serão semelhantes aos tipos originais, por </a:t>
+            </a:r>
+            <a:r>
+              <a:rPr lang="x-none" altLang="pt-BR">
+                <a:solidFill>
+                  <a:srgbClr val="92D050"/>
+                </a:solidFill>
+              </a:rPr>
+              <a:t>afinidade de tipos</a:t>
+            </a:r>
+            <a:endParaRPr lang="x-none" altLang="pt-BR">
+              <a:solidFill>
+                <a:srgbClr val="92D050"/>
+              </a:solidFill>
+            </a:endParaRPr>
+          </a:p>
+          <a:p>
+            <a:r>
+              <a:rPr lang="x-none" altLang="pt-BR"/>
+              <a:t>A tabela resultante </a:t>
+            </a:r>
+            <a:r>
+              <a:rPr lang="x-none" altLang="pt-BR">
+                <a:solidFill>
+                  <a:srgbClr val="92D050"/>
+                </a:solidFill>
+              </a:rPr>
+              <a:t>já será alimentada</a:t>
+            </a:r>
+            <a:r>
+              <a:rPr lang="x-none" altLang="pt-BR"/>
+              <a:t> com os registros resultantes da consulta</a:t>
+            </a:r>
+            <a:endParaRPr lang="x-none" altLang="pt-BR"/>
+          </a:p>
+          <a:p>
+            <a:r>
+              <a:rPr lang="x-none" altLang="pt-BR"/>
+              <a:t>A tabela resultante </a:t>
+            </a:r>
+            <a:r>
+              <a:rPr lang="x-none" altLang="pt-BR">
+                <a:solidFill>
+                  <a:srgbClr val="92D050"/>
+                </a:solidFill>
+              </a:rPr>
+              <a:t>não conterá</a:t>
+            </a:r>
+            <a:r>
+              <a:rPr lang="x-none" altLang="pt-BR"/>
+              <a:t> PKs, FKs ou quaisquer outra restrição</a:t>
+            </a:r>
+            <a:endParaRPr lang="x-none" altLang="pt-BR"/>
+          </a:p>
+        </p:txBody>
+      </p:sp>
+    </p:spTree>
+  </p:cSld>
+  <p:clrMapOvr>
+    <a:masterClrMapping/>
+  </p:clrMapOvr>
+</p:sld>
+</file>
+
+<file path=ppt/slides/slide41.xml><?xml version="1.0" encoding="utf-8"?>
+<p:sld xmlns:a="http://schemas.openxmlformats.org/drawingml/2006/main" xmlns:r="http://schemas.openxmlformats.org/officeDocument/2006/relationships" xmlns:p="http://schemas.openxmlformats.org/presentationml/2006/main">
+  <p:cSld>
+    <p:spTree>
+      <p:nvGrpSpPr>
+        <p:cNvPr id="1" name=""/>
+        <p:cNvGrpSpPr/>
+        <p:nvPr/>
+      </p:nvGrpSpPr>
+      <p:grpSpPr/>
+      <p:sp>
+        <p:nvSpPr>
+          <p:cNvPr id="2" name="Title 1"/>
+          <p:cNvSpPr>
+            <a:spLocks noGrp="1"/>
+          </p:cNvSpPr>
+          <p:nvPr>
+            <p:ph type="title"/>
+          </p:nvPr>
+        </p:nvSpPr>
+        <p:spPr/>
+        <p:txBody>
+          <a:bodyPr/>
+          <a:p>
+            <a:r>
+              <a:rPr lang="x-none" altLang="pt-BR"/>
+              <a:t>Alter Table</a:t>
+            </a:r>
+            <a:endParaRPr lang="x-none" altLang="pt-BR"/>
+          </a:p>
+        </p:txBody>
+      </p:sp>
+      <p:sp>
+        <p:nvSpPr>
+          <p:cNvPr id="3" name="Content Placeholder 2"/>
+          <p:cNvSpPr>
+            <a:spLocks noGrp="1"/>
+          </p:cNvSpPr>
+          <p:nvPr>
+            <p:ph idx="1"/>
+          </p:nvPr>
+        </p:nvSpPr>
+        <p:spPr/>
+        <p:txBody>
+          <a:bodyPr/>
+          <a:p>
+            <a:r>
+              <a:rPr lang="x-none" altLang="pt-BR"/>
+              <a:t>Usado para </a:t>
+            </a:r>
+            <a:r>
+              <a:rPr lang="x-none" altLang="pt-BR">
+                <a:solidFill>
+                  <a:srgbClr val="92D050"/>
+                </a:solidFill>
+              </a:rPr>
+              <a:t>alterar </a:t>
+            </a:r>
+            <a:r>
+              <a:rPr lang="x-none" altLang="pt-BR"/>
+              <a:t>uma tabela existente</a:t>
+            </a:r>
+            <a:endParaRPr lang="x-none" altLang="pt-BR"/>
+          </a:p>
+          <a:p>
+            <a:r>
+              <a:rPr lang="x-none" altLang="pt-BR"/>
+              <a:t>No SQLite, é usado apenas para </a:t>
+            </a:r>
+            <a:r>
+              <a:rPr lang="x-none" altLang="pt-BR">
+                <a:solidFill>
+                  <a:srgbClr val="92D050"/>
+                </a:solidFill>
+              </a:rPr>
+              <a:t>adicionar novas colunas</a:t>
+            </a:r>
+            <a:r>
+              <a:rPr lang="x-none" altLang="pt-BR"/>
+              <a:t> ou </a:t>
+            </a:r>
+            <a:r>
+              <a:rPr lang="x-none" altLang="pt-BR">
+                <a:solidFill>
+                  <a:srgbClr val="92D050"/>
+                </a:solidFill>
+              </a:rPr>
+              <a:t>renomear a tabela</a:t>
+            </a:r>
+            <a:endParaRPr lang="x-none" altLang="pt-BR"/>
+          </a:p>
+          <a:p>
+            <a:r>
+              <a:rPr lang="x-none" altLang="pt-BR"/>
+              <a:t>ALTER TABLE table ADD COLUMN colunanova varchar(200) NOT NULL</a:t>
+            </a:r>
+            <a:endParaRPr lang="x-none" altLang="pt-BR"/>
+          </a:p>
+          <a:p>
+            <a:r>
+              <a:rPr lang="x-none" altLang="pt-BR">
+                <a:sym typeface="+mn-ea"/>
+              </a:rPr>
+              <a:t>ALTER TABLE tabela RENAME TO tabelanova</a:t>
+            </a:r>
+            <a:endParaRPr lang="x-none" altLang="pt-BR"/>
+          </a:p>
+        </p:txBody>
+      </p:sp>
+    </p:spTree>
+  </p:cSld>
+  <p:clrMapOvr>
+    <a:masterClrMapping/>
+  </p:clrMapOvr>
+</p:sld>
+</file>
+
+<file path=ppt/slides/slide42.xml><?xml version="1.0" encoding="utf-8"?>
+<p:sld xmlns:a="http://schemas.openxmlformats.org/drawingml/2006/main" xmlns:r="http://schemas.openxmlformats.org/officeDocument/2006/relationships" xmlns:p="http://schemas.openxmlformats.org/presentationml/2006/main">
+  <p:cSld>
+    <p:spTree>
+      <p:nvGrpSpPr>
+        <p:cNvPr id="1" name=""/>
+        <p:cNvGrpSpPr/>
+        <p:nvPr/>
+      </p:nvGrpSpPr>
+      <p:grpSpPr/>
+      <p:sp>
+        <p:nvSpPr>
+          <p:cNvPr id="2" name="Title 1"/>
+          <p:cNvSpPr>
+            <a:spLocks noGrp="1"/>
+          </p:cNvSpPr>
+          <p:nvPr>
+            <p:ph type="title"/>
+          </p:nvPr>
+        </p:nvSpPr>
+        <p:spPr/>
+        <p:txBody>
+          <a:bodyPr/>
+          <a:p>
+            <a:r>
+              <a:rPr lang="x-none" altLang="pt-BR"/>
+              <a:t>Drop Table</a:t>
+            </a:r>
+            <a:endParaRPr lang="x-none" altLang="pt-BR"/>
+          </a:p>
+        </p:txBody>
+      </p:sp>
+      <p:sp>
+        <p:nvSpPr>
+          <p:cNvPr id="3" name="Content Placeholder 2"/>
+          <p:cNvSpPr>
+            <a:spLocks noGrp="1"/>
+          </p:cNvSpPr>
+          <p:nvPr>
+            <p:ph idx="1"/>
+          </p:nvPr>
+        </p:nvSpPr>
+        <p:spPr/>
+        <p:txBody>
+          <a:bodyPr/>
+          <a:p>
+            <a:r>
+              <a:rPr lang="x-none" altLang="pt-BR"/>
+              <a:t>Exclui uma tabela existente:</a:t>
+            </a:r>
+            <a:endParaRPr lang="x-none" altLang="pt-BR"/>
+          </a:p>
+          <a:p>
+            <a:pPr lvl="1"/>
+            <a:r>
+              <a:rPr lang="x-none" altLang="pt-BR">
+                <a:solidFill>
+                  <a:srgbClr val="92D050"/>
+                </a:solidFill>
+              </a:rPr>
+              <a:t>DROP TABLE tabela</a:t>
+            </a:r>
+            <a:endParaRPr lang="x-none" altLang="pt-BR">
+              <a:solidFill>
+                <a:srgbClr val="92D050"/>
+              </a:solidFill>
+            </a:endParaRPr>
+          </a:p>
+          <a:p>
+            <a:r>
+              <a:rPr lang="x-none" altLang="pt-BR"/>
+              <a:t>É possível usar IF EXISTS para não dar erro ao excluir:</a:t>
+            </a:r>
+            <a:endParaRPr lang="x-none" altLang="pt-BR"/>
+          </a:p>
+          <a:p>
+            <a:pPr lvl="1"/>
+            <a:r>
+              <a:rPr lang="x-none" altLang="pt-BR">
+                <a:solidFill>
+                  <a:srgbClr val="92D050"/>
+                </a:solidFill>
+              </a:rPr>
+              <a:t>DROP TABLE IF EXISTS tabela</a:t>
+            </a:r>
+            <a:endParaRPr lang="x-none" altLang="pt-BR">
+              <a:solidFill>
+                <a:srgbClr val="92D050"/>
+              </a:solidFill>
+            </a:endParaRPr>
+          </a:p>
+          <a:p>
+            <a:pPr lvl="0"/>
+            <a:r>
+              <a:rPr lang="x-none" altLang="pt-BR" sz="3000"/>
+              <a:t>SQLite não trata FKs que deixariam registros órfãos devido à exclusão da tabela</a:t>
+            </a:r>
+            <a:endParaRPr lang="x-none" altLang="pt-BR" sz="3000"/>
+          </a:p>
+          <a:p>
+            <a:endParaRPr lang="x-none" altLang="pt-BR"/>
           </a:p>
         </p:txBody>
       </p:sp>
